--- a/Figures/Figures.pptx
+++ b/Figures/Figures.pptx
@@ -105,6 +105,11 @@
       </a:defRPr>
     </a:lvl9pPr>
   </p:defaultTextStyle>
+  <p:extLst>
+    <p:ext uri="{EFAFB233-063F-42B5-8137-9DF3F51BA10A}">
+      <p15:sldGuideLst xmlns:p15="http://schemas.microsoft.com/office/powerpoint/2012/main"/>
+    </p:ext>
+  </p:extLst>
 </p:presentation>
 </file>
 
@@ -507,7 +512,7 @@
         </p:blipFill>
         <p:spPr>
           <a:xfrm>
-            <a:off x="99052" y="2901692"/>
+            <a:off x="99052" y="1036316"/>
             <a:ext cx="6659894" cy="2051308"/>
           </a:xfrm>
           <a:prstGeom prst="rect">
@@ -543,7 +548,7 @@
         </p:blipFill>
         <p:spPr>
           <a:xfrm>
-            <a:off x="149345" y="5446771"/>
+            <a:off x="149344" y="3569203"/>
             <a:ext cx="6559309" cy="4206249"/>
           </a:xfrm>
           <a:prstGeom prst="rect">
@@ -609,7 +614,7 @@
         </p:blipFill>
         <p:spPr>
           <a:xfrm>
-            <a:off x="100577" y="243836"/>
+            <a:off x="100577" y="658364"/>
             <a:ext cx="6656846" cy="3493015"/>
           </a:xfrm>
           <a:prstGeom prst="rect">
@@ -619,10 +624,10 @@
       </p:pic>
       <p:pic>
         <p:nvPicPr>
-          <p:cNvPr id="5" name="图片 4">
+          <p:cNvPr id="4" name="图片 3">
             <a:extLst>
               <a:ext uri="{FF2B5EF4-FFF2-40B4-BE49-F238E27FC236}">
-                <a16:creationId xmlns:a16="http://schemas.microsoft.com/office/drawing/2014/main" id="{987F522B-D1A3-4CC0-A306-5F9736697FBB}"/>
+                <a16:creationId xmlns:a16="http://schemas.microsoft.com/office/drawing/2014/main" id="{44CEE215-4069-482E-A97C-99DDAC2B5FAD}"/>
               </a:ext>
             </a:extLst>
           </p:cNvPr>
@@ -645,8 +650,8 @@
         </p:blipFill>
         <p:spPr>
           <a:xfrm>
-            <a:off x="1031743" y="3997449"/>
-            <a:ext cx="4794514" cy="2471933"/>
+            <a:off x="986023" y="4511035"/>
+            <a:ext cx="4885954" cy="2487173"/>
           </a:xfrm>
           <a:prstGeom prst="rect">
             <a:avLst/>
